--- a/pres-source/13a-theory-recap.pptx
+++ b/pres-source/13a-theory-recap.pptx
@@ -208,7 +208,7 @@
             <a:fld id="{7307762F-A706-E543-A832-3C298AA3103F}" type="datetimeFigureOut">
               <a:rPr lang="en-US" smtClean="0"/>
               <a:pPr/>
-              <a:t>23/09/16</a:t>
+              <a:t>09/07/17</a:t>
             </a:fld>
             <a:endParaRPr lang="en-US" dirty="0"/>
           </a:p>
@@ -782,7 +782,7 @@
             <a:fld id="{875CF0EB-321F-0749-B37A-89BBA859503C}" type="datetimeFigureOut">
               <a:rPr lang="en-US" smtClean="0"/>
               <a:pPr/>
-              <a:t>23/09/16</a:t>
+              <a:t>09/07/17</a:t>
             </a:fld>
             <a:endParaRPr lang="en-US" dirty="0"/>
           </a:p>
@@ -1006,7 +1006,7 @@
             <a:fld id="{875CF0EB-321F-0749-B37A-89BBA859503C}" type="datetimeFigureOut">
               <a:rPr lang="en-US" smtClean="0"/>
               <a:pPr/>
-              <a:t>23/09/16</a:t>
+              <a:t>09/07/17</a:t>
             </a:fld>
             <a:endParaRPr lang="en-US" dirty="0"/>
           </a:p>
@@ -1220,7 +1220,7 @@
             <a:fld id="{875CF0EB-321F-0749-B37A-89BBA859503C}" type="datetimeFigureOut">
               <a:rPr lang="en-US" smtClean="0"/>
               <a:pPr/>
-              <a:t>23/09/16</a:t>
+              <a:t>09/07/17</a:t>
             </a:fld>
             <a:endParaRPr lang="en-US" dirty="0"/>
           </a:p>
@@ -1510,7 +1510,7 @@
             <a:fld id="{875CF0EB-321F-0749-B37A-89BBA859503C}" type="datetimeFigureOut">
               <a:rPr lang="en-US" smtClean="0"/>
               <a:pPr/>
-              <a:t>23/09/16</a:t>
+              <a:t>09/07/17</a:t>
             </a:fld>
             <a:endParaRPr lang="en-US" dirty="0"/>
           </a:p>
@@ -1842,7 +1842,7 @@
             <a:fld id="{875CF0EB-321F-0749-B37A-89BBA859503C}" type="datetimeFigureOut">
               <a:rPr lang="en-US" smtClean="0"/>
               <a:pPr/>
-              <a:t>23/09/16</a:t>
+              <a:t>09/07/17</a:t>
             </a:fld>
             <a:endParaRPr lang="en-US" dirty="0"/>
           </a:p>
@@ -2308,7 +2308,7 @@
             <a:fld id="{875CF0EB-321F-0749-B37A-89BBA859503C}" type="datetimeFigureOut">
               <a:rPr lang="en-US" smtClean="0"/>
               <a:pPr/>
-              <a:t>23/09/16</a:t>
+              <a:t>09/07/17</a:t>
             </a:fld>
             <a:endParaRPr lang="en-US" dirty="0"/>
           </a:p>
@@ -2470,7 +2470,7 @@
             <a:fld id="{875CF0EB-321F-0749-B37A-89BBA859503C}" type="datetimeFigureOut">
               <a:rPr lang="en-US" smtClean="0"/>
               <a:pPr/>
-              <a:t>23/09/16</a:t>
+              <a:t>09/07/17</a:t>
             </a:fld>
             <a:endParaRPr lang="en-US" dirty="0"/>
           </a:p>
@@ -2609,7 +2609,7 @@
             <a:fld id="{875CF0EB-321F-0749-B37A-89BBA859503C}" type="datetimeFigureOut">
               <a:rPr lang="en-US" smtClean="0"/>
               <a:pPr/>
-              <a:t>23/09/16</a:t>
+              <a:t>09/07/17</a:t>
             </a:fld>
             <a:endParaRPr lang="en-US" dirty="0"/>
           </a:p>
@@ -2930,7 +2930,7 @@
             <a:fld id="{875CF0EB-321F-0749-B37A-89BBA859503C}" type="datetimeFigureOut">
               <a:rPr lang="en-US" smtClean="0"/>
               <a:pPr/>
-              <a:t>23/09/16</a:t>
+              <a:t>09/07/17</a:t>
             </a:fld>
             <a:endParaRPr lang="en-US" dirty="0"/>
           </a:p>
@@ -3227,7 +3227,7 @@
             <a:fld id="{875CF0EB-321F-0749-B37A-89BBA859503C}" type="datetimeFigureOut">
               <a:rPr lang="en-US" smtClean="0"/>
               <a:pPr/>
-              <a:t>23/09/16</a:t>
+              <a:t>09/07/17</a:t>
             </a:fld>
             <a:endParaRPr lang="en-US" dirty="0"/>
           </a:p>
@@ -4160,7 +4160,7 @@
                 <a:ea typeface="ヒラギノ角ゴ ProN W3" charset="0"/>
                 <a:cs typeface="ヒラギノ角ゴ ProN W3" charset="0"/>
               </a:rPr>
-              <a:t>Sep 2016</a:t>
+              <a:t>July 2017</a:t>
             </a:r>
             <a:endParaRPr lang="en-US" dirty="0">
               <a:ea typeface="ヒラギノ角ゴ ProN W3" charset="0"/>
